--- a/financial-powerbi-big5-analysis/Big5CanadianBanks_Presentation.pptx
+++ b/financial-powerbi-big5-analysis/Big5CanadianBanks_Presentation.pptx
@@ -5721,7 +5721,7 @@
           <a:p>
             <a:fld id="{8CAADE35-0B4F-4C16-8FED-FBC71F1D2359}" type="datetimeFigureOut">
               <a:rPr lang="en-CA" smtClean="0"/>
-              <a:t>2025-04-02</a:t>
+              <a:t>2025-06-12</a:t>
             </a:fld>
             <a:endParaRPr lang="en-CA"/>
           </a:p>
@@ -6519,7 +6519,7 @@
           <a:p>
             <a:fld id="{A384B3A8-C41E-4621-B4B7-0E7B41A04C6B}" type="datetimeFigureOut">
               <a:rPr lang="en-CA" smtClean="0"/>
-              <a:t>2025-04-02</a:t>
+              <a:t>2025-06-12</a:t>
             </a:fld>
             <a:endParaRPr lang="en-CA"/>
           </a:p>
@@ -6719,7 +6719,7 @@
           <a:p>
             <a:fld id="{A384B3A8-C41E-4621-B4B7-0E7B41A04C6B}" type="datetimeFigureOut">
               <a:rPr lang="en-CA" smtClean="0"/>
-              <a:t>2025-04-02</a:t>
+              <a:t>2025-06-12</a:t>
             </a:fld>
             <a:endParaRPr lang="en-CA"/>
           </a:p>
@@ -6929,7 +6929,7 @@
           <a:p>
             <a:fld id="{A384B3A8-C41E-4621-B4B7-0E7B41A04C6B}" type="datetimeFigureOut">
               <a:rPr lang="en-CA" smtClean="0"/>
-              <a:t>2025-04-02</a:t>
+              <a:t>2025-06-12</a:t>
             </a:fld>
             <a:endParaRPr lang="en-CA"/>
           </a:p>
@@ -7129,7 +7129,7 @@
           <a:p>
             <a:fld id="{A384B3A8-C41E-4621-B4B7-0E7B41A04C6B}" type="datetimeFigureOut">
               <a:rPr lang="en-CA" smtClean="0"/>
-              <a:t>2025-04-02</a:t>
+              <a:t>2025-06-12</a:t>
             </a:fld>
             <a:endParaRPr lang="en-CA"/>
           </a:p>
@@ -7405,7 +7405,7 @@
           <a:p>
             <a:fld id="{A384B3A8-C41E-4621-B4B7-0E7B41A04C6B}" type="datetimeFigureOut">
               <a:rPr lang="en-CA" smtClean="0"/>
-              <a:t>2025-04-02</a:t>
+              <a:t>2025-06-12</a:t>
             </a:fld>
             <a:endParaRPr lang="en-CA"/>
           </a:p>
@@ -7673,7 +7673,7 @@
           <a:p>
             <a:fld id="{A384B3A8-C41E-4621-B4B7-0E7B41A04C6B}" type="datetimeFigureOut">
               <a:rPr lang="en-CA" smtClean="0"/>
-              <a:t>2025-04-02</a:t>
+              <a:t>2025-06-12</a:t>
             </a:fld>
             <a:endParaRPr lang="en-CA"/>
           </a:p>
@@ -8088,7 +8088,7 @@
           <a:p>
             <a:fld id="{A384B3A8-C41E-4621-B4B7-0E7B41A04C6B}" type="datetimeFigureOut">
               <a:rPr lang="en-CA" smtClean="0"/>
-              <a:t>2025-04-02</a:t>
+              <a:t>2025-06-12</a:t>
             </a:fld>
             <a:endParaRPr lang="en-CA"/>
           </a:p>
@@ -8230,7 +8230,7 @@
           <a:p>
             <a:fld id="{A384B3A8-C41E-4621-B4B7-0E7B41A04C6B}" type="datetimeFigureOut">
               <a:rPr lang="en-CA" smtClean="0"/>
-              <a:t>2025-04-02</a:t>
+              <a:t>2025-06-12</a:t>
             </a:fld>
             <a:endParaRPr lang="en-CA"/>
           </a:p>
@@ -8343,7 +8343,7 @@
           <a:p>
             <a:fld id="{A384B3A8-C41E-4621-B4B7-0E7B41A04C6B}" type="datetimeFigureOut">
               <a:rPr lang="en-CA" smtClean="0"/>
-              <a:t>2025-04-02</a:t>
+              <a:t>2025-06-12</a:t>
             </a:fld>
             <a:endParaRPr lang="en-CA"/>
           </a:p>
@@ -8656,7 +8656,7 @@
           <a:p>
             <a:fld id="{A384B3A8-C41E-4621-B4B7-0E7B41A04C6B}" type="datetimeFigureOut">
               <a:rPr lang="en-CA" smtClean="0"/>
-              <a:t>2025-04-02</a:t>
+              <a:t>2025-06-12</a:t>
             </a:fld>
             <a:endParaRPr lang="en-CA"/>
           </a:p>
@@ -8945,7 +8945,7 @@
           <a:p>
             <a:fld id="{A384B3A8-C41E-4621-B4B7-0E7B41A04C6B}" type="datetimeFigureOut">
               <a:rPr lang="en-CA" smtClean="0"/>
-              <a:t>2025-04-02</a:t>
+              <a:t>2025-06-12</a:t>
             </a:fld>
             <a:endParaRPr lang="en-CA"/>
           </a:p>
@@ -9188,7 +9188,7 @@
           <a:p>
             <a:fld id="{A384B3A8-C41E-4621-B4B7-0E7B41A04C6B}" type="datetimeFigureOut">
               <a:rPr lang="en-CA" smtClean="0"/>
-              <a:t>2025-04-02</a:t>
+              <a:t>2025-06-12</a:t>
             </a:fld>
             <a:endParaRPr lang="en-CA"/>
           </a:p>
@@ -13094,12 +13094,12 @@
   <we:properties>
     <we:property name="artifactViewState" value="&quot;live&quot;"/>
     <we:property name="backgroundColor" value="&quot;#FFFFFF&quot;"/>
-    <we:property name="bookmark" value="&quot;H4sIAAAAAAAAA+1Y/0/bOBT/V1B+4U6C4thxEvMbbWGbDqYNGKfpNCHHfm29pUkuSYEO9X+/Zyct3Voog+l0YociFdvPH7/3id+33HraVEUqp2/lGLx9r5vnX8ay/LIVezte1syB0D4hFBIFhAOJmCIcV/OiNnlWefu3Xi3LIdQXpprI1ALh5F+fdjyZpu/k0I4GMq1gxyugrPJMpuYrNMK4VJcTmO14cFOkeSkt5Fkta7CwVyiOY1TB7zA8UaraXMEZqLqZjbgOwoDRJIFIiiDWIQlRbGDSGndahGR6eFOUqM3t3BjKKYs0jSPtSx1SIiMtcE89Lezqgb6SmQK9QLEgF3M16I53VOZjB9fypVDyMKtNPcVBT6aQaVni3LnDIzNk4c8RlOD29PJMm0b3W+8g0/bnGAa1/e3l40KWpmoW70Z/GCuHJ98JppOxE7KmQVW1eGf5pFRwCoO7gdNvhuS+K3Ok3unYt9zauVMzHDlAO3NWyDWQxwYZkKnjQKYTi6dRuDZj2KbEF7vEx+eckH33bDvcc1z9kBmE5rPZNwc9bGLwHzSRsl2f7jL/nLJ9Lu4zEf8+NTd4CfhRNqzenPtMGeXXvRJwhEz57riqcQN3zdc6gnUg52R47WppstYlAhFGVPtCBYFSPEkkuoGdr0w2TFu3vNvb3GOvGkn8RZ9PPuOxFse9WiZjLUhEJeEUHxYKyjdi1XBTJ/nNKhpEjA6Y5lyHPoEwIFzHG9GkY6E7qWvkdwUSjR3oiCSKx9KPIxFB4D8TUoNMfKVjwTmPCdGUMHgmpPSDgQ6CWAWU+pbSBNQzISFKqAoGPoZtEhLGVUieq2XAGWUaqdQkYFL6gkXSQqwPt6sB9Vv/eG3Q70o1mh7DFaSrfrJYX12a+8cFho8mYbSh4Am+1obxBZS33v2WtHGTW3cTdrm1wfsILeyyu5LZzoKOHk4N89IoZP+XYOT9RJY2jf5PyhIpJxiQRw9S8mu5TV9On8bGCchqUj7ahFa82jqXSQoruXaKJaJRl31TqXyS1afrcu+/r9bRpMbFLVedbP12dPH7Gp1cPfBQZE8x/fdG6IrfhHVvDFi323++5m1ZWzQHG3DrqvHM6Ylx6oML7muLJr/vuSQx33GGJf6GLTSIGfODQERxJ7TZNGoxrqzAibx55JFO/BHnMRKHYeCHgnUopjJO3X5bu83mrQXS/nmprGoD09Qx8yI9b56wXqh5S9nnhVq4SCUv1L4mNXxyju7HTGN1DFjUSi04ibAOvb8Abfv9RGGISYiSTEZAiFSBWOr3Hyo9fqyD65oh78rsS/V9/D7Oh/nWh9Pjp4TtN2M5hFel0ZdHPY7md8WloGHvMuCH5LLLj6JL0jsUhwdHfv9AdL8r2fE07H/TeQ9cQTr/cILsYJMrT2RhFxaadxaqWglMggW80d7Gxp38YOP+g5Qtmvg1IX17VNdFtb+3ZzomSToq3+u//nj99vrV33un3d4uqlB0imy4vQj0Ltb7ySCMtSKCA/NlJOIoip/eyPycRv+ezmHjDalSo6C8J6vbl7wmq49zvSlXbvdxh86vs+1NOdLtqNrPWz+RicblhRA0BgWCiJhTSVjIntu/q5ARSiKpVCR8yhVJyPO+MjjUdfTnk7oqpIJ3MoM1rwHpl5kGveFVuE+ni7cwm/0DlUD06LIVAAA=&quot;"/>
+    <we:property name="bookmark" value="&quot;H4sIAAAAAAAAA+1YUW/jNgz+K4FfugHpQZYs2+pbkzbbsN6ha3sdhqEIaIlJdHXswHZ6zYr896NlN02XtL01h2HoLTBgiJQ+kZ9FisydZ2w5S2HxAaboHXi9PL+eQnHdib2ulzUyBjqUOmAjieDHTIsoFqTNZ5XNs9I7uPMqKMZYXdpyDmkNRMI/vUAKLkyipWGBAPCViMC76nqQpqcwrueMIC2x682wKPMMUvsXNhCkqoo5Lrse3s7SvIB6o/MKKqw3u6HpNCbD/He1HaAre4PnqKtGGkkThIHgSYIRqCA2IQtp2simFa2sEZLF8e2sIBvv7l3kkovI8DgyPpiQM4iMojXVYlZrD80NZBrNCqUGubw3g3e9QZFPHVzLoqaZx1llqwUN+pBiZqAg2YXDY0ti4fcJFujW9PPM2Mb2O+8wM/XrBEdV/e7n0xkUtmyUD6NfbT2Pdn6YmM6nblLtGpZli3eezwuNZzh6GDj7lkTuaZET9c7Go5rbWnZmxxMHWEvOZ7AF8sQSA5A6DiCd13iGJld2inuc+Wqf+fRcMHbgnj2He0Haj5klaLlcPtroeReD/6CLXOz7fF/4F1wcSPWUi/S7ak7wGvBX+bB5cp5yZZJ/7hdII2LKd9uVTRi4Y741EOoAckFGx64Cm7UhEagw4sZXOgi0lkkCFAa1vLTZOG3D8mFtc469cgL0pkyQfKJtaxz3aQXERrGIA5OcHhEqLl/EqvC2SvLbTTSMBB8JI6UJfYZhwKSJX0QDx0JvXlXE7wYkOTsyEaPUFFNCi1SEgb8jpEFIfG1iJaWMGTOcCdwREvxgZIIg1gHnfk1pgnpHSIwSroORzziykAmpQ7arlVuzPEFsT7ebCfVxfPxsKe4KPVmc4A2mm3Gy0m+q7uPjktJHc2G0qeAVsdam8RWUtz381qxxws6DoFa3Pnh/YAu7Hq5s2V3R0SfROC+sJva/C0Z+m0NRX6P/k7JGyntKyJNnKfm+wuYIFq9j4z1COS++2oV2etm5gCTFjbt2QSWi1cMjW+p8nlVn2+7ef9+swbwiZcdVJ50fBpc/brHJ1QPPZfaUrv/+hELxcVq/L6lpu09r5UQbkAuXyN/kibtP1G/UvbWs+0Y9XKXQN+pfkxKvXOHlx8JQVYhUzIFRkkVUfz1deLV9bqL9IEiYBgERMmrsA7XW5z535f6zzqVnx7IH2XX597x1ko/zzsezk9ekq1+mMMafCmuGg74k93tqqHjYHwbymA17chANWf9YHR8O/KND1dssVf1kFMZGMyVR+BCpOIri15eq36aVe6I2fJGLMrUai0c+elMsxu6UUq8KzodZs5HFRp8bp0bn4tYud++IVpj8c1a3tK6Dfeo2cCvK9g+Mb8hEc7iVUjxGjYqpWFIjKUKxa4emQ8E4i0DrSPlcapaw3fpIh7qN/nxelTPQeAoZbvkMRD9kBs0Ln8L9Obb6CsvlFxe7qfyqEwAA&quot;"/>
     <we:property name="creatorSessionId" value="&quot;d6dda03e-cbca-4aa9-9f66-9eef2918f37d&quot;"/>
     <we:property name="creatorTenantId" value="&quot;c986676f-9b39-4d08-b4f8-a668e0e8c6a5&quot;"/>
     <we:property name="creatorUserId" value="&quot;1003200319872271&quot;"/>
     <we:property name="datasetId" value="&quot;9d9a1b3d-f74a-4bfb-9c31-17254118b15e&quot;"/>
-    <we:property name="embedUrl" value="&quot;/reportEmbed?reportId=1f7f554e-734f-4f01-898e-8d3557a33728&amp;config=eyJjbHVzdGVyVXJsIjoiaHR0cHM6Ly9XQUJJLVVTLU5PUlRILUNFTlRSQUwtSC1QUklNQVJZLXJlZGlyZWN0LmFuYWx5c2lzLndpbmRvd3MubmV0IiwiZW1iZWRGZWF0dXJlcyI6eyJ1c2FnZU1ldHJpY3NWTmV4dCI6dHJ1ZX19&amp;disableSensitivityBanner=true&quot;"/>
+    <we:property name="embedUrl" value="&quot;/reportEmbed?reportId=1f7f554e-734f-4f01-898e-8d3557a33728&amp;config=eyJjbHVzdGVyVXJsIjoiaHR0cHM6Ly9XQUJJLVVTLU5PUlRILUNFTlRSQUwtSC1QUklNQVJZLXJlZGlyZWN0LmFuYWx5c2lzLndpbmRvd3MubmV0IiwiZW1iZWRGZWF0dXJlcyI6eyJ1c2FnZU1ldHJpY3NWTmV4dCI6dHJ1ZX19&amp;disableSensitivityBanner=true&amp;storytellingChangeViewModeShortcutKeys=true&quot;"/>
     <we:property name="initialStateBookmark" value="&quot;H4sIAAAAAAAAA+1ZbW/bNhD+K4a+tAPcgaREUco323G2okmbOW6HYSiCo0jZbGTJo6Q0XuD/PpJSEid24sJJuyCoYUDg2909x7tHR+rSE6qcZ7B4DzPp7Xn9ojibgT7rRF7Xy9u+Dx/eHfVG707f946GpruYV6rIS2/v0qtAT2T1SZU1ZFaC6fz7c9eDLDuGiW2lkJWy682lLoscMvWvbCaboUrXctn15MU8KzRYkScVVNKKPTfTTdvoxr/6RiMklTqXJzKpml6ShpHwgQQxIhIzhJCMzbRUZZVZaSXwxfBiro01l1coCCU+EyRiAoMICQIm7JpqMbejPXEOeSLFtRQr5NOVGaTrHehi5sS1jkrMzGFeqWphGgPIZC5Am76xk4eWxgt/TqWWbs2gyIVqbL/0ermwj0OZVvY5KGZz0KpsBm9a75SdZzTfTMzqmZtkocmybOWdFLVO5EimNw1n39I491gXxvXOxn3rW9s3UpOpE2h7TuawQeShMh6AzPkAstrKE2ZypWbyFUE4foOw+Y8R2nP/V07u2Ix+zJURTZfLW4oehhg8Q4jEf4PJGx+Pib9H4/sgmt/nJoJXBH8ThvXIuQ/KtPg60NK0jKewU1c2aeDCfGMi2ARySWbCrgKVtykBXIRxRFPBYj9kmASUhbZ/c9a0eTEwmieFVolx1eOQ9tWE9iE/K+9CPSwmRefj6HANLmrgqnyStaxxA61JM+/tzNDMb1qJ04MBxZHfj09jEg5OAzpEp316wE7RYBgPewd4vxf3LXfxL8Z9FqwLUeZHxhkpoywiyI9RhFBglTyotJyCea7JEphxLCQlsaEWgiIWC9gqq5IXFS8u1qVRnmKJDGPRkCIJHPkB2bpbKyx2e6uOJJS1lt+6V+30sjMGnsm7GzYuKsg6I3ku83o9SNGy+4PtOdbyXBV12flLgn6cXU+TvNaOXaL5bK42hGiIWRLEaWxiAHDESJzEuwfCdwX44ze+SFXVOTJFiMqfhT2rgbjNuh3DQULCYwyURlFEmCQkgJ/h4EaH/bfj/d4zMOR2HNxr1m4BgAMBQRiimEUYCZ9TDvJnAKy8mJq8ewbmbKKDp+OBwDfFhkhjRAElNPFDn+8eBr8rUwzrZLo4NG/PbB3+9fj60BXgT6amb05xbX2+Q0i1Z6trUd7mmnjFGtfZuemwwy2G7VH5UHH7Ij3yRw3anm1/OmXFKUfmlDTdjS5epD/2YfEMyHMkq1rnnSLvDP+pzYLO69GH4S+70GdmTsCDqQn82yR6datkdH5ZOVG34b9wtPki9/eKFl8ovBWOe6EIrwnrheJrCOizK3MSnwHjPhGcIoZiEgTUt3Y8mPHg0rlfV5Uz5U7lhECKAAcgGSWhZJFAif9MC+it3FZmKpH6FkZvJvXEbaOAChyGeaNIyWa8EG5YOogbb0Jf7ZsVovia22tPd8t5H126FWV7yf2Enmh3P0h5ikPGeICIICEnUXL/VrUX/TFPUokZ5zHwwPeTMInYxov+H7aR+BvLqye6ULWdHZuSndcn00JXm96a/8/R7P67ua2RzkFvfIkXWkjdb17X+0pffSIi3TtGf1c09mvP9mriO25vky6+DBlISf1IxBECEUZYPJIsY4FTivyQSsGMcAijED+WfwMZUp+G5uTqUxKThPPkkSJpkoQkIcZAjlgiOA4Jf5RIJ3UTpxZ1Vc4hkceQyw3cajIIciHFFn51X0U9p8SYpGyEPbzAfiu9puLl8j8eGWWZth0AAA==&quot;"/>
     <we:property name="isFiltersActionButtonVisible" value="true"/>
     <we:property name="isVisualContainerHeaderHidden" value="false"/>
@@ -13107,7 +13107,7 @@
     <we:property name="pageName" value="&quot;75d46432bbe7a948d606&quot;"/>
     <we:property name="pptInsertionSessionID" value="&quot;942E4596-3ED7-4019-92B4-2253E8544BC3&quot;"/>
     <we:property name="reportEmbeddedTime" value="&quot;2025-04-02T18:15:52.921Z&quot;"/>
-    <we:property name="reportName" value="&quot;FinancialAnalyticsProject_v3&quot;"/>
+    <we:property name="reportName" value="&quot;Financial Analytics Project&quot;"/>
     <we:property name="reportState" value="&quot;CONNECTED&quot;"/>
     <we:property name="reportUrl" value="&quot;/groups/me/reports/1f7f554e-734f-4f01-898e-8d3557a33728/75d46432bbe7a948d606?experience=power-bi&amp;pbi_source=storytelling_addin&quot;"/>
   </we:properties>
